--- a/algoritma-2/pertemuan-3(rekursi)/materi/Fungsi-Rekursi.pptx
+++ b/algoritma-2/pertemuan-3(rekursi)/materi/Fungsi-Rekursi.pptx
@@ -2651,10 +2651,10 @@
           <a:bodyPr/>
           <a:p>
             <a:r>
-              <a:rPr lang="" altLang="en-US"/>
+              <a:rPr lang="en-US" altLang="en-US"/>
               <a:t>Fungsi Rekursi</a:t>
             </a:r>
-            <a:endParaRPr lang="" altLang="en-US"/>
+            <a:endParaRPr lang="en-US" altLang="en-US"/>
           </a:p>
         </p:txBody>
       </p:sp>
@@ -2913,21 +2913,7 @@
                 <a:latin typeface="Courier New" panose="02070309020205020404" charset="0"/>
                 <a:cs typeface="Courier New" panose="02070309020205020404" charset="0"/>
               </a:rPr>
-              <a:t>count</a:t>
-            </a:r>
-            <a:r>
-              <a:rPr lang="" altLang="en-US" sz="2000">
-                <a:latin typeface="Courier New" panose="02070309020205020404" charset="0"/>
-                <a:cs typeface="Courier New" panose="02070309020205020404" charset="0"/>
-              </a:rPr>
-              <a:t>Up</a:t>
-            </a:r>
-            <a:r>
-              <a:rPr lang="en-US" altLang="en-US" sz="2000">
-                <a:latin typeface="Courier New" panose="02070309020205020404" charset="0"/>
-                <a:cs typeface="Courier New" panose="02070309020205020404" charset="0"/>
-              </a:rPr>
-              <a:t>(</a:t>
+              <a:t>countUp(</a:t>
             </a:r>
             <a:r>
               <a:rPr lang="en-US" altLang="en-US" sz="2000" b="1">
@@ -2991,21 +2977,7 @@
                 <a:latin typeface="Courier New" panose="02070309020205020404" charset="0"/>
                 <a:cs typeface="Courier New" panose="02070309020205020404" charset="0"/>
               </a:rPr>
-              <a:t>	  cout &lt;&lt; “</a:t>
-            </a:r>
-            <a:r>
-              <a:rPr lang="" altLang="en-US" sz="2000">
-                <a:latin typeface="Courier New" panose="02070309020205020404" charset="0"/>
-                <a:cs typeface="Courier New" panose="02070309020205020404" charset="0"/>
-              </a:rPr>
-              <a:t>start</a:t>
-            </a:r>
-            <a:r>
-              <a:rPr lang="en-US" altLang="en-US" sz="2000">
-                <a:latin typeface="Courier New" panose="02070309020205020404" charset="0"/>
-                <a:cs typeface="Courier New" panose="02070309020205020404" charset="0"/>
-              </a:rPr>
-              <a:t>\n”;</a:t>
+              <a:t>	  cout &lt;&lt; “start\n”;</a:t>
             </a:r>
             <a:endParaRPr lang="en-US" altLang="en-US" sz="2000">
               <a:latin typeface="Courier New" panose="02070309020205020404" charset="0"/>
@@ -3041,21 +3013,7 @@
                 <a:latin typeface="Courier New" panose="02070309020205020404" charset="0"/>
                 <a:cs typeface="Courier New" panose="02070309020205020404" charset="0"/>
               </a:rPr>
-              <a:t>    count</a:t>
-            </a:r>
-            <a:r>
-              <a:rPr lang="" altLang="en-US" sz="2000">
-                <a:latin typeface="Courier New" panose="02070309020205020404" charset="0"/>
-                <a:cs typeface="Courier New" panose="02070309020205020404" charset="0"/>
-              </a:rPr>
-              <a:t>Up</a:t>
-            </a:r>
-            <a:r>
-              <a:rPr lang="en-US" altLang="en-US" sz="2000">
-                <a:latin typeface="Courier New" panose="02070309020205020404" charset="0"/>
-                <a:cs typeface="Courier New" panose="02070309020205020404" charset="0"/>
-              </a:rPr>
-              <a:t>(n-1);</a:t>
+              <a:t>    countUp(n-1);</a:t>
             </a:r>
             <a:endParaRPr lang="en-US" altLang="en-US" sz="2000">
               <a:latin typeface="Courier New" panose="02070309020205020404" charset="0"/>
@@ -3412,7 +3370,7 @@
                   <a:srgbClr val="FF0000"/>
                 </a:solidFill>
               </a:rPr>
-              <a:t>finish</a:t>
+              <a:t>start</a:t>
             </a:r>
             <a:endParaRPr lang="" altLang="en-US" sz="2000">
               <a:solidFill>
@@ -3445,14 +3403,14 @@
           <a:p>
             <a:pPr algn="ctr"/>
             <a:r>
-              <a:rPr lang="" altLang="en-US" sz="2000">
+              <a:rPr lang="en-US" altLang="en-US" sz="2000">
                 <a:solidFill>
                   <a:srgbClr val="FF0000"/>
                 </a:solidFill>
               </a:rPr>
               <a:t>1</a:t>
             </a:r>
-            <a:endParaRPr lang="" altLang="en-US" sz="2000">
+            <a:endParaRPr lang="en-US" altLang="en-US" sz="2000">
               <a:solidFill>
                 <a:srgbClr val="FF0000"/>
               </a:solidFill>
@@ -3483,14 +3441,14 @@
           <a:p>
             <a:pPr algn="ctr"/>
             <a:r>
-              <a:rPr lang="" altLang="en-US" sz="2000">
+              <a:rPr lang="en-US" altLang="en-US" sz="2000">
                 <a:solidFill>
                   <a:srgbClr val="FF0000"/>
                 </a:solidFill>
               </a:rPr>
               <a:t>2</a:t>
             </a:r>
-            <a:endParaRPr lang="" altLang="en-US" sz="2000">
+            <a:endParaRPr lang="en-US" altLang="en-US" sz="2000">
               <a:solidFill>
                 <a:srgbClr val="FF0000"/>
               </a:solidFill>
@@ -3779,10 +3737,10 @@
           <a:bodyPr/>
           <a:p>
             <a:r>
-              <a:rPr lang="" altLang="en-US"/>
+              <a:rPr lang="en-US" altLang="en-US"/>
               <a:t>Fakotorial</a:t>
             </a:r>
-            <a:endParaRPr lang="" altLang="en-US"/>
+            <a:endParaRPr lang="en-US" altLang="en-US"/>
           </a:p>
         </p:txBody>
       </p:sp>
@@ -3822,14 +3780,14 @@
               <a:buNone/>
             </a:pPr>
             <a:r>
-              <a:rPr lang="" altLang="en-US"/>
+              <a:rPr lang="en-US" altLang="en-US"/>
               <a:t>	</a:t>
             </a:r>
             <a:r>
-              <a:rPr lang="" altLang="en-US" b="1"/>
+              <a:rPr lang="en-US" altLang="en-US" b="1"/>
               <a:t>f(n) = n! </a:t>
             </a:r>
-            <a:endParaRPr lang="" altLang="en-US" b="1"/>
+            <a:endParaRPr lang="en-US" altLang="en-US" b="1"/>
           </a:p>
         </p:txBody>
       </p:sp>
@@ -3856,10 +3814,10 @@
           <a:p>
             <a:pPr algn="ctr"/>
             <a:r>
-              <a:rPr lang="" altLang="en-US" sz="2800" b="1"/>
+              <a:rPr lang="en-US" altLang="en-US" sz="2800" b="1"/>
               <a:t>Basis</a:t>
             </a:r>
-            <a:endParaRPr lang="" altLang="en-US" sz="2800" b="1"/>
+            <a:endParaRPr lang="en-US" altLang="en-US" sz="2800" b="1"/>
           </a:p>
         </p:txBody>
       </p:sp>
@@ -4039,10 +3997,10 @@
             </a:bodyPr>
             <a:p>
               <a:r>
-                <a:rPr lang="" altLang="en-US" sz="2800"/>
+                <a:rPr lang="en-US" altLang="en-US" sz="2800"/>
                 <a:t>n = 0, 1;  f(n) = 1</a:t>
               </a:r>
-              <a:endParaRPr lang="" altLang="en-US" sz="2800"/>
+              <a:endParaRPr lang="en-US" altLang="en-US" sz="2800"/>
             </a:p>
           </p:txBody>
         </p:sp>
@@ -4069,21 +4027,9 @@
             <a:p>
               <a:r>
                 <a:rPr lang="en-US" altLang="en-US" sz="2800"/>
-                <a:t>n </a:t>
+                <a:t>n &gt; 1;  f(n) = n * (n-1)!</a:t>
               </a:r>
-              <a:r>
-                <a:rPr lang="" altLang="en-US" sz="2800"/>
-                <a:t>&gt; 1;</a:t>
-              </a:r>
-              <a:r>
-                <a:rPr lang="en-US" altLang="en-US" sz="2800"/>
-                <a:t>  f(n) = </a:t>
-              </a:r>
-              <a:r>
-                <a:rPr lang="" altLang="en-US" sz="2800"/>
-                <a:t>n * (n-1)!</a:t>
-              </a:r>
-              <a:endParaRPr lang="" altLang="en-US" sz="2800"/>
+              <a:endParaRPr lang="en-US" altLang="en-US" sz="2800"/>
             </a:p>
           </p:txBody>
         </p:sp>
@@ -4110,10 +4056,10 @@
             <a:p>
               <a:pPr algn="ctr"/>
               <a:r>
-                <a:rPr lang="" altLang="en-US" sz="2800" b="1"/>
+                <a:rPr lang="en-US" altLang="en-US" sz="2800" b="1"/>
                 <a:t>Rekursi</a:t>
               </a:r>
-              <a:endParaRPr lang="" altLang="en-US" sz="2800" b="1"/>
+              <a:endParaRPr lang="en-US" altLang="en-US" sz="2800" b="1"/>
             </a:p>
           </p:txBody>
         </p:sp>
@@ -4151,10 +4097,10 @@
           <a:bodyPr/>
           <a:p>
             <a:r>
-              <a:rPr lang="" altLang="en-US"/>
+              <a:rPr lang="en-US" altLang="en-US"/>
               <a:t>    Iteratif					Rekursi</a:t>
             </a:r>
-            <a:endParaRPr lang="" altLang="en-US"/>
+            <a:endParaRPr lang="en-US" altLang="en-US"/>
           </a:p>
         </p:txBody>
       </p:sp>
@@ -4185,34 +4131,34 @@
               </a:lnSpc>
             </a:pPr>
             <a:r>
-              <a:rPr lang="" altLang="en-US" sz="2000" b="1">
+              <a:rPr lang="en-US" altLang="en-US" sz="2000" b="1">
                 <a:latin typeface="Courier New" panose="02070309020205020404" charset="0"/>
                 <a:cs typeface="Courier New" panose="02070309020205020404" charset="0"/>
               </a:rPr>
               <a:t>int</a:t>
             </a:r>
             <a:r>
-              <a:rPr lang="" altLang="en-US" sz="2000">
+              <a:rPr lang="en-US" altLang="en-US" sz="2000">
                 <a:latin typeface="Courier New" panose="02070309020205020404" charset="0"/>
                 <a:cs typeface="Courier New" panose="02070309020205020404" charset="0"/>
               </a:rPr>
               <a:t> faktorial(</a:t>
             </a:r>
             <a:r>
-              <a:rPr lang="" altLang="en-US" sz="2000" b="1">
+              <a:rPr lang="en-US" altLang="en-US" sz="2000" b="1">
                 <a:latin typeface="Courier New" panose="02070309020205020404" charset="0"/>
                 <a:cs typeface="Courier New" panose="02070309020205020404" charset="0"/>
               </a:rPr>
               <a:t>int</a:t>
             </a:r>
             <a:r>
-              <a:rPr lang="" altLang="en-US" sz="2000">
+              <a:rPr lang="en-US" altLang="en-US" sz="2000">
                 <a:latin typeface="Courier New" panose="02070309020205020404" charset="0"/>
                 <a:cs typeface="Courier New" panose="02070309020205020404" charset="0"/>
               </a:rPr>
               <a:t> n) {</a:t>
             </a:r>
-            <a:endParaRPr lang="" altLang="en-US" sz="2000">
+            <a:endParaRPr lang="en-US" altLang="en-US" sz="2000">
               <a:latin typeface="Courier New" panose="02070309020205020404" charset="0"/>
               <a:cs typeface="Courier New" panose="02070309020205020404" charset="0"/>
             </a:endParaRPr>
@@ -4224,27 +4170,27 @@
               </a:lnSpc>
             </a:pPr>
             <a:r>
-              <a:rPr lang="" altLang="en-US" sz="2000">
+              <a:rPr lang="en-US" altLang="en-US" sz="2000">
                 <a:latin typeface="Courier New" panose="02070309020205020404" charset="0"/>
                 <a:cs typeface="Courier New" panose="02070309020205020404" charset="0"/>
               </a:rPr>
               <a:t>    </a:t>
             </a:r>
             <a:r>
-              <a:rPr lang="" altLang="en-US" sz="2000" b="1">
+              <a:rPr lang="en-US" altLang="en-US" sz="2000" b="1">
                 <a:latin typeface="Courier New" panose="02070309020205020404" charset="0"/>
                 <a:cs typeface="Courier New" panose="02070309020205020404" charset="0"/>
               </a:rPr>
               <a:t>int</a:t>
             </a:r>
             <a:r>
-              <a:rPr lang="" altLang="en-US" sz="2000">
+              <a:rPr lang="en-US" altLang="en-US" sz="2000">
                 <a:latin typeface="Courier New" panose="02070309020205020404" charset="0"/>
                 <a:cs typeface="Courier New" panose="02070309020205020404" charset="0"/>
               </a:rPr>
               <a:t> result = 1;</a:t>
             </a:r>
-            <a:endParaRPr lang="" altLang="en-US" sz="2000">
+            <a:endParaRPr lang="en-US" altLang="en-US" sz="2000">
               <a:latin typeface="Courier New" panose="02070309020205020404" charset="0"/>
               <a:cs typeface="Courier New" panose="02070309020205020404" charset="0"/>
             </a:endParaRPr>
@@ -4255,7 +4201,7 @@
                 <a:spcPct val="100000"/>
               </a:lnSpc>
             </a:pPr>
-            <a:endParaRPr lang="" altLang="en-US" sz="2000">
+            <a:endParaRPr lang="en-US" altLang="en-US" sz="2000">
               <a:latin typeface="Courier New" panose="02070309020205020404" charset="0"/>
               <a:cs typeface="Courier New" panose="02070309020205020404" charset="0"/>
             </a:endParaRPr>
@@ -4267,41 +4213,41 @@
               </a:lnSpc>
             </a:pPr>
             <a:r>
-              <a:rPr lang="" altLang="en-US" sz="2000">
+              <a:rPr lang="en-US" altLang="en-US" sz="2000">
                 <a:latin typeface="Courier New" panose="02070309020205020404" charset="0"/>
                 <a:cs typeface="Courier New" panose="02070309020205020404" charset="0"/>
               </a:rPr>
               <a:t>    </a:t>
             </a:r>
             <a:r>
-              <a:rPr lang="" altLang="en-US" sz="2000" b="1">
+              <a:rPr lang="en-US" altLang="en-US" sz="2000" b="1">
                 <a:latin typeface="Courier New" panose="02070309020205020404" charset="0"/>
                 <a:cs typeface="Courier New" panose="02070309020205020404" charset="0"/>
               </a:rPr>
               <a:t>for</a:t>
             </a:r>
             <a:r>
-              <a:rPr lang="" altLang="en-US" sz="2000">
+              <a:rPr lang="en-US" altLang="en-US" sz="2000">
                 <a:latin typeface="Courier New" panose="02070309020205020404" charset="0"/>
                 <a:cs typeface="Courier New" panose="02070309020205020404" charset="0"/>
               </a:rPr>
               <a:t>(</a:t>
             </a:r>
             <a:r>
-              <a:rPr lang="" altLang="en-US" sz="2000" b="1">
+              <a:rPr lang="en-US" altLang="en-US" sz="2000" b="1">
                 <a:latin typeface="Courier New" panose="02070309020205020404" charset="0"/>
                 <a:cs typeface="Courier New" panose="02070309020205020404" charset="0"/>
               </a:rPr>
               <a:t>int</a:t>
             </a:r>
             <a:r>
-              <a:rPr lang="" altLang="en-US" sz="2000">
+              <a:rPr lang="en-US" altLang="en-US" sz="2000">
                 <a:latin typeface="Courier New" panose="02070309020205020404" charset="0"/>
                 <a:cs typeface="Courier New" panose="02070309020205020404" charset="0"/>
               </a:rPr>
               <a:t> i=1; i&lt;=n; i++) {</a:t>
             </a:r>
-            <a:endParaRPr lang="" altLang="en-US" sz="2000">
+            <a:endParaRPr lang="en-US" altLang="en-US" sz="2000">
               <a:latin typeface="Courier New" panose="02070309020205020404" charset="0"/>
               <a:cs typeface="Courier New" panose="02070309020205020404" charset="0"/>
             </a:endParaRPr>
@@ -4313,13 +4259,13 @@
               </a:lnSpc>
             </a:pPr>
             <a:r>
-              <a:rPr lang="" altLang="en-US" sz="2000">
+              <a:rPr lang="en-US" altLang="en-US" sz="2000">
                 <a:latin typeface="Courier New" panose="02070309020205020404" charset="0"/>
                 <a:cs typeface="Courier New" panose="02070309020205020404" charset="0"/>
               </a:rPr>
               <a:t>        result *= i;</a:t>
             </a:r>
-            <a:endParaRPr lang="" altLang="en-US" sz="2000">
+            <a:endParaRPr lang="en-US" altLang="en-US" sz="2000">
               <a:latin typeface="Courier New" panose="02070309020205020404" charset="0"/>
               <a:cs typeface="Courier New" panose="02070309020205020404" charset="0"/>
             </a:endParaRPr>
@@ -4331,13 +4277,13 @@
               </a:lnSpc>
             </a:pPr>
             <a:r>
-              <a:rPr lang="" altLang="en-US" sz="2000">
+              <a:rPr lang="en-US" altLang="en-US" sz="2000">
                 <a:latin typeface="Courier New" panose="02070309020205020404" charset="0"/>
                 <a:cs typeface="Courier New" panose="02070309020205020404" charset="0"/>
               </a:rPr>
               <a:t>    }</a:t>
             </a:r>
-            <a:endParaRPr lang="" altLang="en-US" sz="2000">
+            <a:endParaRPr lang="en-US" altLang="en-US" sz="2000">
               <a:latin typeface="Courier New" panose="02070309020205020404" charset="0"/>
               <a:cs typeface="Courier New" panose="02070309020205020404" charset="0"/>
             </a:endParaRPr>
@@ -4349,27 +4295,27 @@
               </a:lnSpc>
             </a:pPr>
             <a:r>
-              <a:rPr lang="" altLang="en-US" sz="2000">
+              <a:rPr lang="en-US" altLang="en-US" sz="2000">
                 <a:latin typeface="Courier New" panose="02070309020205020404" charset="0"/>
                 <a:cs typeface="Courier New" panose="02070309020205020404" charset="0"/>
               </a:rPr>
               <a:t>    </a:t>
             </a:r>
             <a:r>
-              <a:rPr lang="" altLang="en-US" sz="2000" b="1">
+              <a:rPr lang="en-US" altLang="en-US" sz="2000" b="1">
                 <a:latin typeface="Courier New" panose="02070309020205020404" charset="0"/>
                 <a:cs typeface="Courier New" panose="02070309020205020404" charset="0"/>
               </a:rPr>
               <a:t>return</a:t>
             </a:r>
             <a:r>
-              <a:rPr lang="" altLang="en-US" sz="2000">
+              <a:rPr lang="en-US" altLang="en-US" sz="2000">
                 <a:latin typeface="Courier New" panose="02070309020205020404" charset="0"/>
                 <a:cs typeface="Courier New" panose="02070309020205020404" charset="0"/>
               </a:rPr>
               <a:t> result;</a:t>
             </a:r>
-            <a:endParaRPr lang="" altLang="en-US" sz="2000">
+            <a:endParaRPr lang="en-US" altLang="en-US" sz="2000">
               <a:latin typeface="Courier New" panose="02070309020205020404" charset="0"/>
               <a:cs typeface="Courier New" panose="02070309020205020404" charset="0"/>
             </a:endParaRPr>
@@ -4381,13 +4327,13 @@
               </a:lnSpc>
             </a:pPr>
             <a:r>
-              <a:rPr lang="" altLang="en-US" sz="2000">
+              <a:rPr lang="en-US" altLang="en-US" sz="2000">
                 <a:latin typeface="Courier New" panose="02070309020205020404" charset="0"/>
                 <a:cs typeface="Courier New" panose="02070309020205020404" charset="0"/>
               </a:rPr>
               <a:t>}</a:t>
             </a:r>
-            <a:endParaRPr lang="" altLang="en-US" sz="2000">
+            <a:endParaRPr lang="en-US" altLang="en-US" sz="2000">
               <a:latin typeface="Courier New" panose="02070309020205020404" charset="0"/>
               <a:cs typeface="Courier New" panose="02070309020205020404" charset="0"/>
             </a:endParaRPr>
@@ -4467,20 +4413,20 @@
               <a:t>    </a:t>
             </a:r>
             <a:r>
-              <a:rPr lang="" altLang="en-US" sz="2000" b="1">
+              <a:rPr lang="en-US" altLang="en-US" sz="2000" b="1">
                 <a:latin typeface="Courier New" panose="02070309020205020404" charset="0"/>
                 <a:cs typeface="Courier New" panose="02070309020205020404" charset="0"/>
               </a:rPr>
               <a:t>if</a:t>
             </a:r>
             <a:r>
-              <a:rPr lang="" altLang="en-US" sz="2000">
+              <a:rPr lang="en-US" altLang="en-US" sz="2000">
                 <a:latin typeface="Courier New" panose="02070309020205020404" charset="0"/>
                 <a:cs typeface="Courier New" panose="02070309020205020404" charset="0"/>
               </a:rPr>
               <a:t>(n == 1) {</a:t>
             </a:r>
-            <a:endParaRPr lang="" altLang="en-US" sz="2000">
+            <a:endParaRPr lang="en-US" altLang="en-US" sz="2000">
               <a:latin typeface="Courier New" panose="02070309020205020404" charset="0"/>
               <a:cs typeface="Courier New" panose="02070309020205020404" charset="0"/>
             </a:endParaRPr>
@@ -4492,27 +4438,27 @@
               </a:lnSpc>
             </a:pPr>
             <a:r>
-              <a:rPr lang="" altLang="en-US" sz="2000">
+              <a:rPr lang="en-US" altLang="en-US" sz="2000">
                 <a:latin typeface="Courier New" panose="02070309020205020404" charset="0"/>
                 <a:cs typeface="Courier New" panose="02070309020205020404" charset="0"/>
               </a:rPr>
               <a:t>	  </a:t>
             </a:r>
             <a:r>
-              <a:rPr lang="" altLang="en-US" sz="2000" b="1">
+              <a:rPr lang="en-US" altLang="en-US" sz="2000" b="1">
                 <a:latin typeface="Courier New" panose="02070309020205020404" charset="0"/>
                 <a:cs typeface="Courier New" panose="02070309020205020404" charset="0"/>
               </a:rPr>
               <a:t>return </a:t>
             </a:r>
             <a:r>
-              <a:rPr lang="" altLang="en-US" sz="2000">
+              <a:rPr lang="en-US" altLang="en-US" sz="2000">
                 <a:latin typeface="Courier New" panose="02070309020205020404" charset="0"/>
                 <a:cs typeface="Courier New" panose="02070309020205020404" charset="0"/>
               </a:rPr>
               <a:t>1;</a:t>
             </a:r>
-            <a:endParaRPr lang="" altLang="en-US" sz="2000">
+            <a:endParaRPr lang="en-US" altLang="en-US" sz="2000">
               <a:latin typeface="Courier New" panose="02070309020205020404" charset="0"/>
               <a:cs typeface="Courier New" panose="02070309020205020404" charset="0"/>
             </a:endParaRPr>
@@ -4524,7 +4470,7 @@
               </a:lnSpc>
             </a:pPr>
             <a:r>
-              <a:rPr lang="" altLang="en-US" sz="2000">
+              <a:rPr lang="en-US" altLang="en-US" sz="2000">
                 <a:latin typeface="Courier New" panose="02070309020205020404" charset="0"/>
                 <a:cs typeface="Courier New" panose="02070309020205020404" charset="0"/>
               </a:rPr>
@@ -4560,21 +4506,7 @@
                 <a:latin typeface="Courier New" panose="02070309020205020404" charset="0"/>
                 <a:cs typeface="Courier New" panose="02070309020205020404" charset="0"/>
               </a:rPr>
-              <a:t> </a:t>
-            </a:r>
-            <a:r>
-              <a:rPr lang="" altLang="en-US" sz="2000">
-                <a:latin typeface="Courier New" panose="02070309020205020404" charset="0"/>
-                <a:cs typeface="Courier New" panose="02070309020205020404" charset="0"/>
-              </a:rPr>
-              <a:t>n * faktorial(n-1)</a:t>
-            </a:r>
-            <a:r>
-              <a:rPr lang="en-US" altLang="en-US" sz="2000">
-                <a:latin typeface="Courier New" panose="02070309020205020404" charset="0"/>
-                <a:cs typeface="Courier New" panose="02070309020205020404" charset="0"/>
-              </a:rPr>
-              <a:t>;</a:t>
+              <a:t> n * faktorial(n-1);</a:t>
             </a:r>
             <a:endParaRPr lang="en-US" altLang="en-US" sz="2000">
               <a:latin typeface="Courier New" panose="02070309020205020404" charset="0"/>
@@ -4634,10 +4566,10 @@
           <a:bodyPr/>
           <a:p>
             <a:r>
-              <a:rPr lang="" altLang="en-US"/>
+              <a:rPr lang="en-US" altLang="en-US"/>
               <a:t>Execution flow</a:t>
             </a:r>
-            <a:endParaRPr lang="" altLang="en-US"/>
+            <a:endParaRPr lang="en-US" altLang="en-US"/>
           </a:p>
         </p:txBody>
       </p:sp>
@@ -4710,10 +4642,10 @@
             <a:p>
               <a:pPr algn="ctr"/>
               <a:r>
-                <a:rPr lang="" altLang="en-US"/>
+                <a:rPr lang="en-US" altLang="en-US"/>
                 <a:t>n = 3</a:t>
               </a:r>
-              <a:endParaRPr lang="" altLang="en-US"/>
+              <a:endParaRPr lang="en-US" altLang="en-US"/>
             </a:p>
           </p:txBody>
         </p:sp>
@@ -4752,13 +4684,9 @@
               <a:pPr algn="ctr"/>
               <a:r>
                 <a:rPr lang="en-US" altLang="en-US"/>
-                <a:t>n = </a:t>
+                <a:t>n = 2</a:t>
               </a:r>
-              <a:r>
-                <a:rPr lang="" altLang="en-US"/>
-                <a:t>2</a:t>
-              </a:r>
-              <a:endParaRPr lang="" altLang="en-US"/>
+              <a:endParaRPr lang="en-US" altLang="en-US"/>
             </a:p>
           </p:txBody>
         </p:sp>
@@ -4797,13 +4725,9 @@
               <a:pPr algn="ctr"/>
               <a:r>
                 <a:rPr lang="en-US" altLang="en-US"/>
-                <a:t>n = </a:t>
+                <a:t>n = 1</a:t>
               </a:r>
-              <a:r>
-                <a:rPr lang="" altLang="en-US"/>
-                <a:t>1</a:t>
-              </a:r>
-              <a:endParaRPr lang="" altLang="en-US"/>
+              <a:endParaRPr lang="en-US" altLang="en-US"/>
             </a:p>
           </p:txBody>
         </p:sp>
@@ -5024,14 +4948,14 @@
           <a:p>
             <a:pPr algn="ctr"/>
             <a:r>
-              <a:rPr lang="" altLang="en-US" sz="2000">
+              <a:rPr lang="en-US" altLang="en-US" sz="2000">
                 <a:solidFill>
                   <a:srgbClr val="FF0000"/>
                 </a:solidFill>
               </a:rPr>
               <a:t>3 * f(n-1)</a:t>
             </a:r>
-            <a:endParaRPr lang="" altLang="en-US" sz="2000">
+            <a:endParaRPr lang="en-US" altLang="en-US" sz="2000">
               <a:solidFill>
                 <a:srgbClr val="FF0000"/>
               </a:solidFill>
@@ -5062,14 +4986,14 @@
           <a:p>
             <a:pPr algn="ctr"/>
             <a:r>
-              <a:rPr lang="" altLang="en-US" sz="2000">
+              <a:rPr lang="en-US" altLang="en-US" sz="2000">
                 <a:solidFill>
                   <a:srgbClr val="FF0000"/>
                 </a:solidFill>
               </a:rPr>
               <a:t>2 * f(n-1)</a:t>
             </a:r>
-            <a:endParaRPr lang="" altLang="en-US" sz="2000">
+            <a:endParaRPr lang="en-US" altLang="en-US" sz="2000">
               <a:solidFill>
                 <a:srgbClr val="FF0000"/>
               </a:solidFill>
@@ -5100,14 +5024,14 @@
           <a:p>
             <a:pPr algn="ctr"/>
             <a:r>
-              <a:rPr lang="" altLang="en-US" sz="2000">
+              <a:rPr lang="en-US" altLang="en-US" sz="2000">
                 <a:solidFill>
                   <a:srgbClr val="FF0000"/>
                 </a:solidFill>
               </a:rPr>
               <a:t>1 * f(n-1)</a:t>
             </a:r>
-            <a:endParaRPr lang="" altLang="en-US" sz="2000">
+            <a:endParaRPr lang="en-US" altLang="en-US" sz="2000">
               <a:solidFill>
                 <a:srgbClr val="FF0000"/>
               </a:solidFill>
@@ -5143,17 +5067,9 @@
                   <a:srgbClr val="FF0000"/>
                 </a:solidFill>
               </a:rPr>
-              <a:t>1 </a:t>
-            </a:r>
-            <a:r>
-              <a:rPr lang="" altLang="en-US" sz="2000">
-                <a:solidFill>
-                  <a:srgbClr val="FF0000"/>
-                </a:solidFill>
-              </a:rPr>
-              <a:t>* 1</a:t>
-            </a:r>
-            <a:endParaRPr lang="" altLang="en-US" sz="2000">
+              <a:t>1 * 1</a:t>
+            </a:r>
+            <a:endParaRPr lang="en-US" altLang="en-US" sz="2000">
               <a:solidFill>
                 <a:srgbClr val="FF0000"/>
               </a:solidFill>
@@ -5184,20 +5100,12 @@
           <a:p>
             <a:pPr algn="ctr"/>
             <a:r>
-              <a:rPr lang="" altLang="en-US" sz="2000">
-                <a:solidFill>
-                  <a:srgbClr val="FF0000"/>
-                </a:solidFill>
-              </a:rPr>
-              <a:t>2</a:t>
-            </a:r>
-            <a:r>
               <a:rPr lang="en-US" altLang="en-US" sz="2000">
                 <a:solidFill>
                   <a:srgbClr val="FF0000"/>
                 </a:solidFill>
               </a:rPr>
-              <a:t> * 1</a:t>
+              <a:t>2 * 1</a:t>
             </a:r>
             <a:endParaRPr lang="en-US" altLang="en-US" sz="2000">
               <a:solidFill>
@@ -5230,20 +5138,12 @@
           <a:p>
             <a:pPr algn="ctr"/>
             <a:r>
-              <a:rPr lang="" altLang="en-US" sz="2000">
-                <a:solidFill>
-                  <a:srgbClr val="FF0000"/>
-                </a:solidFill>
-              </a:rPr>
-              <a:t> 3 * </a:t>
-            </a:r>
-            <a:r>
               <a:rPr lang="en-US" altLang="en-US" sz="2000">
                 <a:solidFill>
                   <a:srgbClr val="FF0000"/>
                 </a:solidFill>
               </a:rPr>
-              <a:t>2</a:t>
+              <a:t> 3 * 2</a:t>
             </a:r>
             <a:endParaRPr lang="en-US" altLang="en-US" sz="2000">
               <a:solidFill>
@@ -5281,7 +5181,6 @@
             <a:pPr algn="ctr"/>
             <a:r>
               <a:rPr lang="en-US" altLang="en-US" sz="2400">
-                <a:ln/>
                 <a:solidFill>
                   <a:srgbClr val="00B050"/>
                 </a:solidFill>
@@ -5297,7 +5196,6 @@
               <a:t>6</a:t>
             </a:r>
             <a:endParaRPr lang="en-US" altLang="en-US" sz="2400">
-              <a:ln/>
               <a:solidFill>
                 <a:srgbClr val="00B050"/>
               </a:solidFill>
@@ -5607,13 +5505,9 @@
               <a:pPr algn="ctr"/>
               <a:r>
                 <a:rPr lang="en-US" altLang="en-US"/>
-                <a:t>n = </a:t>
+                <a:t>n = 2</a:t>
               </a:r>
-              <a:r>
-                <a:rPr lang="" altLang="en-US"/>
-                <a:t>2</a:t>
-              </a:r>
-              <a:endParaRPr lang="" altLang="en-US"/>
+              <a:endParaRPr lang="en-US" altLang="en-US"/>
             </a:p>
           </p:txBody>
         </p:sp>
@@ -5652,13 +5546,9 @@
               <a:pPr algn="ctr"/>
               <a:r>
                 <a:rPr lang="en-US" altLang="en-US"/>
-                <a:t>n = </a:t>
+                <a:t>n = 1</a:t>
               </a:r>
-              <a:r>
-                <a:rPr lang="" altLang="en-US"/>
-                <a:t>1</a:t>
-              </a:r>
-              <a:endParaRPr lang="" altLang="en-US"/>
+              <a:endParaRPr lang="en-US" altLang="en-US"/>
             </a:p>
           </p:txBody>
         </p:sp>
@@ -5697,13 +5587,9 @@
               <a:pPr algn="ctr"/>
               <a:r>
                 <a:rPr lang="en-US" altLang="en-US"/>
-                <a:t>n = </a:t>
+                <a:t>n = 0</a:t>
               </a:r>
-              <a:r>
-                <a:rPr lang="" altLang="en-US"/>
-                <a:t>0</a:t>
-              </a:r>
-              <a:endParaRPr lang="" altLang="en-US"/>
+              <a:endParaRPr lang="en-US" altLang="en-US"/>
             </a:p>
           </p:txBody>
         </p:sp>
@@ -5735,25 +5621,18 @@
               </a:lnSpc>
             </a:pPr>
             <a:r>
-              <a:rPr lang="" altLang="en-US" sz="2000" b="1">
+              <a:rPr lang="en-US" altLang="en-US" sz="2000" b="1">
                 <a:latin typeface="Courier New" panose="02070309020205020404" charset="0"/>
                 <a:cs typeface="Courier New" panose="02070309020205020404" charset="0"/>
               </a:rPr>
               <a:t>void </a:t>
             </a:r>
             <a:r>
-              <a:rPr lang="" altLang="en-US" sz="2000">
-                <a:latin typeface="Courier New" panose="02070309020205020404" charset="0"/>
-                <a:cs typeface="Courier New" panose="02070309020205020404" charset="0"/>
-              </a:rPr>
-              <a:t>countDown</a:t>
-            </a:r>
-            <a:r>
               <a:rPr lang="en-US" altLang="en-US" sz="2000">
                 <a:latin typeface="Courier New" panose="02070309020205020404" charset="0"/>
                 <a:cs typeface="Courier New" panose="02070309020205020404" charset="0"/>
               </a:rPr>
-              <a:t>(</a:t>
+              <a:t>countDown(</a:t>
             </a:r>
             <a:r>
               <a:rPr lang="en-US" altLang="en-US" sz="2000" b="1">
@@ -5799,21 +5678,7 @@
                 <a:latin typeface="Courier New" panose="02070309020205020404" charset="0"/>
                 <a:cs typeface="Courier New" panose="02070309020205020404" charset="0"/>
               </a:rPr>
-              <a:t>(n == </a:t>
-            </a:r>
-            <a:r>
-              <a:rPr lang="" altLang="en-US" sz="2000">
-                <a:latin typeface="Courier New" panose="02070309020205020404" charset="0"/>
-                <a:cs typeface="Courier New" panose="02070309020205020404" charset="0"/>
-              </a:rPr>
-              <a:t>0</a:t>
-            </a:r>
-            <a:r>
-              <a:rPr lang="en-US" altLang="en-US" sz="2000">
-                <a:latin typeface="Courier New" panose="02070309020205020404" charset="0"/>
-                <a:cs typeface="Courier New" panose="02070309020205020404" charset="0"/>
-              </a:rPr>
-              <a:t>) {</a:t>
+              <a:t>(n == 0) {</a:t>
             </a:r>
             <a:endParaRPr lang="en-US" altLang="en-US" sz="2000">
               <a:latin typeface="Courier New" panose="02070309020205020404" charset="0"/>
@@ -5827,7 +5692,7 @@
               </a:lnSpc>
             </a:pPr>
             <a:r>
-              <a:rPr lang="" altLang="en-US" sz="2000">
+              <a:rPr lang="en-US" altLang="en-US" sz="2000">
                 <a:latin typeface="Courier New" panose="02070309020205020404" charset="0"/>
                 <a:cs typeface="Courier New" panose="02070309020205020404" charset="0"/>
               </a:rPr>
@@ -5867,16 +5732,9 @@
                 <a:latin typeface="Courier New" panose="02070309020205020404" charset="0"/>
                 <a:cs typeface="Courier New" panose="02070309020205020404" charset="0"/>
               </a:rPr>
-              <a:t>    </a:t>
-            </a:r>
-            <a:r>
-              <a:rPr lang="" altLang="en-US" sz="2000">
-                <a:latin typeface="Courier New" panose="02070309020205020404" charset="0"/>
-                <a:cs typeface="Courier New" panose="02070309020205020404" charset="0"/>
-              </a:rPr>
-              <a:t>cout &lt;&lt; n &lt;&lt; endl;</a:t>
-            </a:r>
-            <a:endParaRPr lang="" altLang="en-US" sz="2000">
+              <a:t>    cout &lt;&lt; n &lt;&lt; endl;</a:t>
+            </a:r>
+            <a:endParaRPr lang="en-US" altLang="en-US" sz="2000">
               <a:latin typeface="Courier New" panose="02070309020205020404" charset="0"/>
               <a:cs typeface="Courier New" panose="02070309020205020404" charset="0"/>
             </a:endParaRPr>
@@ -5892,14 +5750,7 @@
                 <a:latin typeface="Courier New" panose="02070309020205020404" charset="0"/>
                 <a:cs typeface="Courier New" panose="02070309020205020404" charset="0"/>
               </a:rPr>
-              <a:t>    </a:t>
-            </a:r>
-            <a:r>
-              <a:rPr lang="" altLang="en-US" sz="2000">
-                <a:latin typeface="Courier New" panose="02070309020205020404" charset="0"/>
-                <a:cs typeface="Courier New" panose="02070309020205020404" charset="0"/>
-              </a:rPr>
-              <a:t>countDown(n-1);</a:t>
+              <a:t>    countDown(n-1);</a:t>
             </a:r>
             <a:endParaRPr lang="en-US" altLang="en-US" sz="2000">
               <a:latin typeface="Courier New" panose="02070309020205020404" charset="0"/>
@@ -5949,14 +5800,14 @@
           <a:p>
             <a:pPr algn="ctr"/>
             <a:r>
-              <a:rPr lang="" altLang="en-US" sz="2000">
+              <a:rPr lang="en-US" altLang="en-US" sz="2000">
                 <a:solidFill>
                   <a:srgbClr val="FF0000"/>
                 </a:solidFill>
               </a:rPr>
               <a:t>2</a:t>
             </a:r>
-            <a:endParaRPr lang="" altLang="en-US" sz="2000">
+            <a:endParaRPr lang="en-US" altLang="en-US" sz="2000">
               <a:solidFill>
                 <a:srgbClr val="FF0000"/>
               </a:solidFill>
@@ -5987,14 +5838,14 @@
           <a:p>
             <a:pPr algn="ctr"/>
             <a:r>
-              <a:rPr lang="" altLang="en-US" sz="2000">
+              <a:rPr lang="en-US" altLang="en-US" sz="2000">
                 <a:solidFill>
                   <a:srgbClr val="FF0000"/>
                 </a:solidFill>
               </a:rPr>
               <a:t>1</a:t>
             </a:r>
-            <a:endParaRPr lang="" altLang="en-US" sz="2000">
+            <a:endParaRPr lang="en-US" altLang="en-US" sz="2000">
               <a:solidFill>
                 <a:srgbClr val="FF0000"/>
               </a:solidFill>
@@ -6025,14 +5876,14 @@
           <a:p>
             <a:pPr algn="ctr"/>
             <a:r>
-              <a:rPr lang="" altLang="en-US" sz="2000">
+              <a:rPr lang="en-US" altLang="en-US" sz="2000">
                 <a:solidFill>
                   <a:srgbClr val="FF0000"/>
                 </a:solidFill>
               </a:rPr>
               <a:t>finish</a:t>
             </a:r>
-            <a:endParaRPr lang="" altLang="en-US" sz="2000">
+            <a:endParaRPr lang="en-US" altLang="en-US" sz="2000">
               <a:solidFill>
                 <a:srgbClr val="FF0000"/>
               </a:solidFill>
@@ -6105,7 +5956,7 @@
           <a:p>
             <a:pPr algn="ctr"/>
             <a:r>
-              <a:rPr lang="" altLang="en-US" sz="2400">
+              <a:rPr lang="en-US" altLang="en-US" sz="2400">
                 <a:solidFill>
                   <a:srgbClr val="00B050"/>
                 </a:solidFill>
@@ -6120,7 +5971,7 @@
               </a:rPr>
               <a:t>main()</a:t>
             </a:r>
-            <a:endParaRPr lang="" altLang="en-US" sz="2400">
+            <a:endParaRPr lang="en-US" altLang="en-US" sz="2400">
               <a:solidFill>
                 <a:srgbClr val="00B050"/>
               </a:solidFill>

--- a/algoritma-2/pertemuan-3(rekursi)/materi/Fungsi-Rekursi.pptx
+++ b/algoritma-2/pertemuan-3(rekursi)/materi/Fungsi-Rekursi.pptx
@@ -3365,14 +3365,14 @@
           <a:p>
             <a:pPr algn="ctr"/>
             <a:r>
-              <a:rPr lang="" altLang="en-US" sz="2000">
+              <a:rPr lang="en-US" altLang="en-US" sz="2000">
                 <a:solidFill>
                   <a:srgbClr val="FF0000"/>
                 </a:solidFill>
               </a:rPr>
               <a:t>start</a:t>
             </a:r>
-            <a:endParaRPr lang="" altLang="en-US" sz="2000">
+            <a:endParaRPr lang="en-US" altLang="en-US" sz="2000">
               <a:solidFill>
                 <a:srgbClr val="FF0000"/>
               </a:solidFill>
@@ -4816,7 +4816,21 @@
                 <a:latin typeface="Courier New" panose="02070309020205020404" charset="0"/>
                 <a:cs typeface="Courier New" panose="02070309020205020404" charset="0"/>
               </a:rPr>
-              <a:t>(n == 1) {</a:t>
+              <a:t>(n </a:t>
+            </a:r>
+            <a:r>
+              <a:rPr lang="" altLang="en-US" sz="2000">
+                <a:latin typeface="Courier New" panose="02070309020205020404" charset="0"/>
+                <a:cs typeface="Courier New" panose="02070309020205020404" charset="0"/>
+              </a:rPr>
+              <a:t>=</a:t>
+            </a:r>
+            <a:r>
+              <a:rPr lang="en-US" altLang="en-US" sz="2000">
+                <a:latin typeface="Courier New" panose="02070309020205020404" charset="0"/>
+                <a:cs typeface="Courier New" panose="02070309020205020404" charset="0"/>
+              </a:rPr>
+              <a:t>= 1) {</a:t>
             </a:r>
             <a:endParaRPr lang="en-US" altLang="en-US" sz="2000">
               <a:latin typeface="Courier New" panose="02070309020205020404" charset="0"/>
@@ -5029,7 +5043,7 @@
                   <a:srgbClr val="FF0000"/>
                 </a:solidFill>
               </a:rPr>
-              <a:t>1 * f(n-1)</a:t>
+              <a:t>1</a:t>
             </a:r>
             <a:endParaRPr lang="en-US" altLang="en-US" sz="2000">
               <a:solidFill>
@@ -5067,7 +5081,7 @@
                   <a:srgbClr val="FF0000"/>
                 </a:solidFill>
               </a:rPr>
-              <a:t>1 * 1</a:t>
+              <a:t>1</a:t>
             </a:r>
             <a:endParaRPr lang="en-US" altLang="en-US" sz="2000">
               <a:solidFill>
@@ -5260,7 +5274,7 @@
         </p:nvCxnSpPr>
         <p:spPr>
           <a:xfrm rot="5400000" flipH="1">
-            <a:off x="8688070" y="3703320"/>
+            <a:off x="8687753" y="3703638"/>
             <a:ext cx="766445" cy="1760220"/>
           </a:xfrm>
           <a:prstGeom prst="curvedConnector3">
